--- a/ppt/Portfolio-PPT.pptx
+++ b/ppt/Portfolio-PPT.pptx
@@ -7158,9 +7158,12 @@
               <a:buNone/>
             </a:pPr>
             <a:r>
-              <a:rPr lang="en-AU" dirty="0"/>
+              <a:rPr lang="en-AU" dirty="0">
+                <a:hlinkClick r:id="rId2"/>
+              </a:rPr>
               <a:t>https://grey-joyner.netlify.app/</a:t>
             </a:r>
+            <a:endParaRPr lang="en-AU" dirty="0"/>
           </a:p>
         </p:txBody>
       </p:sp>
@@ -7179,7 +7182,7 @@
           <p:nvPr/>
         </p:nvPicPr>
         <p:blipFill>
-          <a:blip r:embed="rId2"/>
+          <a:blip r:embed="rId3"/>
           <a:stretch>
             <a:fillRect/>
           </a:stretch>
@@ -8518,21 +8521,21 @@
 </file>
 
 <file path=customXml/item1.xml><?xml version="1.0" encoding="utf-8"?>
+<?mso-contentType ?>
+<FormTemplates xmlns="http://schemas.microsoft.com/sharepoint/v3/contenttype/forms">
+  <Display>DocumentLibraryForm</Display>
+  <Edit>DocumentLibraryForm</Edit>
+  <New>DocumentLibraryForm</New>
+</FormTemplates>
+</file>
+
+<file path=customXml/item2.xml><?xml version="1.0" encoding="utf-8"?>
 <p:properties xmlns:p="http://schemas.microsoft.com/office/2006/metadata/properties" xmlns:xsi="http://www.w3.org/2001/XMLSchema-instance" xmlns:pc="http://schemas.microsoft.com/office/infopath/2007/PartnerControls">
   <documentManagement>
     <Status xmlns="71af3243-3dd4-4a8d-8c0d-dd76da1f02a5">Not started</Status>
     <MediaServiceKeyPoints xmlns="71af3243-3dd4-4a8d-8c0d-dd76da1f02a5" xsi:nil="true"/>
   </documentManagement>
 </p:properties>
-</file>
-
-<file path=customXml/item2.xml><?xml version="1.0" encoding="utf-8"?>
-<?mso-contentType ?>
-<FormTemplates xmlns="http://schemas.microsoft.com/sharepoint/v3/contenttype/forms">
-  <Display>DocumentLibraryForm</Display>
-  <Edit>DocumentLibraryForm</Edit>
-  <New>DocumentLibraryForm</New>
-</FormTemplates>
 </file>
 
 <file path=customXml/item3.xml><?xml version="1.0" encoding="utf-8"?>
@@ -8757,19 +8760,19 @@
 </file>
 
 <file path=customXml/itemProps1.xml><?xml version="1.0" encoding="utf-8"?>
+<ds:datastoreItem xmlns:ds="http://schemas.openxmlformats.org/officeDocument/2006/customXml" ds:itemID="{CDB58277-F8DF-46FF-84EC-EF41B835E69F}">
+  <ds:schemaRefs>
+    <ds:schemaRef ds:uri="http://schemas.microsoft.com/sharepoint/v3/contenttype/forms"/>
+  </ds:schemaRefs>
+</ds:datastoreItem>
+</file>
+
+<file path=customXml/itemProps2.xml><?xml version="1.0" encoding="utf-8"?>
 <ds:datastoreItem xmlns:ds="http://schemas.openxmlformats.org/officeDocument/2006/customXml" ds:itemID="{137651BA-F45C-4845-9AB3-E0A65B39F5E1}">
   <ds:schemaRefs>
     <ds:schemaRef ds:uri="http://schemas.microsoft.com/office/2006/metadata/properties"/>
     <ds:schemaRef ds:uri="http://schemas.microsoft.com/office/infopath/2007/PartnerControls"/>
     <ds:schemaRef ds:uri="71af3243-3dd4-4a8d-8c0d-dd76da1f02a5"/>
-  </ds:schemaRefs>
-</ds:datastoreItem>
-</file>
-
-<file path=customXml/itemProps2.xml><?xml version="1.0" encoding="utf-8"?>
-<ds:datastoreItem xmlns:ds="http://schemas.openxmlformats.org/officeDocument/2006/customXml" ds:itemID="{CDB58277-F8DF-46FF-84EC-EF41B835E69F}">
-  <ds:schemaRefs>
-    <ds:schemaRef ds:uri="http://schemas.microsoft.com/sharepoint/v3/contenttype/forms"/>
   </ds:schemaRefs>
 </ds:datastoreItem>
 </file>

--- a/ppt/Portfolio-PPT.pptx
+++ b/ppt/Portfolio-PPT.pptx
@@ -600,7 +600,7 @@
           <a:p>
             <a:fld id="{EA0C0817-A112-4847-8014-A94B7D2A4EA3}" type="datetime1">
               <a:rPr lang="en-US" smtClean="0"/>
-              <a:t>11/12/2020</a:t>
+              <a:t>11/13/2020</a:t>
             </a:fld>
             <a:endParaRPr lang="en-US" dirty="0"/>
           </a:p>
@@ -802,7 +802,7 @@
           <a:p>
             <a:fld id="{7332B432-ACDA-4023-A761-2BAB76577B62}" type="datetime1">
               <a:rPr lang="en-US" smtClean="0"/>
-              <a:t>11/12/2020</a:t>
+              <a:t>11/13/2020</a:t>
             </a:fld>
             <a:endParaRPr lang="en-US" dirty="0"/>
           </a:p>
@@ -1401,7 +1401,7 @@
           <a:p>
             <a:fld id="{D9C646AA-F36E-4540-911D-FFFC0A0EF24A}" type="datetime1">
               <a:rPr lang="en-US" smtClean="0"/>
-              <a:t>11/12/2020</a:t>
+              <a:t>11/13/2020</a:t>
             </a:fld>
             <a:endParaRPr lang="en-US" dirty="0"/>
           </a:p>
@@ -1721,7 +1721,7 @@
           <a:p>
             <a:fld id="{69186D26-FA5F-4637-B602-B7C2DC34CFD4}" type="datetime1">
               <a:rPr lang="en-US" smtClean="0"/>
-              <a:t>11/12/2020</a:t>
+              <a:t>11/13/2020</a:t>
             </a:fld>
             <a:endParaRPr lang="en-US" dirty="0"/>
           </a:p>
@@ -2158,7 +2158,7 @@
           <a:p>
             <a:fld id="{8A7F15D8-96D1-4781-BC50-CA8A088B2FE4}" type="datetime1">
               <a:rPr lang="en-US" smtClean="0"/>
-              <a:t>11/12/2020</a:t>
+              <a:t>11/13/2020</a:t>
             </a:fld>
             <a:endParaRPr lang="en-US" dirty="0"/>
           </a:p>
@@ -2276,7 +2276,7 @@
           <a:p>
             <a:fld id="{F9A96C99-B8F8-4528-BD05-0E16E943DC09}" type="datetime1">
               <a:rPr lang="en-US" smtClean="0"/>
-              <a:t>11/12/2020</a:t>
+              <a:t>11/13/2020</a:t>
             </a:fld>
             <a:endParaRPr lang="en-US" dirty="0"/>
           </a:p>
@@ -2371,7 +2371,7 @@
           <a:p>
             <a:fld id="{03636942-C211-4B28-8DBD-C953E00AF71B}" type="datetime1">
               <a:rPr lang="en-US" smtClean="0"/>
-              <a:t>11/12/2020</a:t>
+              <a:t>11/13/2020</a:t>
             </a:fld>
             <a:endParaRPr lang="en-US" dirty="0"/>
           </a:p>
@@ -2788,7 +2788,7 @@
           <a:p>
             <a:fld id="{7E8D12A6-918A-48BD-8CB9-CA713993B0EA}" type="datetime1">
               <a:rPr lang="en-US" smtClean="0"/>
-              <a:t>11/12/2020</a:t>
+              <a:t>11/13/2020</a:t>
             </a:fld>
             <a:endParaRPr lang="en-US" dirty="0"/>
           </a:p>
@@ -3050,7 +3050,7 @@
             <a:fld id="{E778CE86-875F-4587-BCF6-FA054AFC0D53}" type="datetime1">
               <a:rPr lang="en-US" smtClean="0"/>
               <a:pPr/>
-              <a:t>11/12/2020</a:t>
+              <a:t>11/13/2020</a:t>
             </a:fld>
             <a:endParaRPr lang="en-US" dirty="0"/>
           </a:p>
@@ -3566,7 +3566,7 @@
           <a:p>
             <a:fld id="{F6FA2B21-3FCD-4721-B95C-427943F61125}" type="datetime1">
               <a:rPr lang="en-US" smtClean="0"/>
-              <a:t>11/12/2020</a:t>
+              <a:t>11/13/2020</a:t>
             </a:fld>
             <a:endParaRPr lang="en-US" dirty="0"/>
           </a:p>
@@ -7685,10 +7685,10 @@
       </p:pic>
       <p:pic>
         <p:nvPicPr>
-          <p:cNvPr id="6" name="Graphic 5">
-            <a:extLst>
-              <a:ext uri="{FF2B5EF4-FFF2-40B4-BE49-F238E27FC236}">
-                <a16:creationId xmlns:a16="http://schemas.microsoft.com/office/drawing/2014/main" id="{682E6391-4B25-408A-BF2D-7504B92E7106}"/>
+          <p:cNvPr id="7" name="Graphic 6">
+            <a:extLst>
+              <a:ext uri="{FF2B5EF4-FFF2-40B4-BE49-F238E27FC236}">
+                <a16:creationId xmlns:a16="http://schemas.microsoft.com/office/drawing/2014/main" id="{3801A513-64BA-45AB-B6AF-0C9790DEEB5F}"/>
               </a:ext>
             </a:extLst>
           </p:cNvPr>
@@ -7711,7 +7711,7 @@
         </p:blipFill>
         <p:spPr>
           <a:xfrm>
-            <a:off x="3158038" y="2852432"/>
+            <a:off x="1066800" y="2852432"/>
             <a:ext cx="1536688" cy="1536688"/>
           </a:xfrm>
           <a:prstGeom prst="rect">
@@ -7721,10 +7721,10 @@
       </p:pic>
       <p:pic>
         <p:nvPicPr>
-          <p:cNvPr id="7" name="Graphic 6">
-            <a:extLst>
-              <a:ext uri="{FF2B5EF4-FFF2-40B4-BE49-F238E27FC236}">
-                <a16:creationId xmlns:a16="http://schemas.microsoft.com/office/drawing/2014/main" id="{3801A513-64BA-45AB-B6AF-0C9790DEEB5F}"/>
+          <p:cNvPr id="9" name="Graphic 8">
+            <a:extLst>
+              <a:ext uri="{FF2B5EF4-FFF2-40B4-BE49-F238E27FC236}">
+                <a16:creationId xmlns:a16="http://schemas.microsoft.com/office/drawing/2014/main" id="{3BEFE444-DD46-4483-81C3-02A3D4B8FDAA}"/>
               </a:ext>
             </a:extLst>
           </p:cNvPr>
@@ -7747,8 +7747,8 @@
         </p:blipFill>
         <p:spPr>
           <a:xfrm>
-            <a:off x="1066800" y="2852432"/>
-            <a:ext cx="1536688" cy="1536688"/>
+            <a:off x="9431753" y="2852432"/>
+            <a:ext cx="1536689" cy="1536689"/>
           </a:xfrm>
           <a:prstGeom prst="rect">
             <a:avLst/>
@@ -7757,10 +7757,10 @@
       </p:pic>
       <p:pic>
         <p:nvPicPr>
-          <p:cNvPr id="9" name="Graphic 8">
-            <a:extLst>
-              <a:ext uri="{FF2B5EF4-FFF2-40B4-BE49-F238E27FC236}">
-                <a16:creationId xmlns:a16="http://schemas.microsoft.com/office/drawing/2014/main" id="{3BEFE444-DD46-4483-81C3-02A3D4B8FDAA}"/>
+          <p:cNvPr id="3" name="Graphic 2">
+            <a:extLst>
+              <a:ext uri="{FF2B5EF4-FFF2-40B4-BE49-F238E27FC236}">
+                <a16:creationId xmlns:a16="http://schemas.microsoft.com/office/drawing/2014/main" id="{1A74B0AD-0E57-4A2A-A5AF-6DF49EF5867A}"/>
               </a:ext>
             </a:extLst>
           </p:cNvPr>
@@ -7783,8 +7783,8 @@
         </p:blipFill>
         <p:spPr>
           <a:xfrm>
-            <a:off x="9431753" y="2852432"/>
-            <a:ext cx="1536689" cy="1536689"/>
+            <a:off x="3158038" y="2862371"/>
+            <a:ext cx="1536688" cy="1536688"/>
           </a:xfrm>
           <a:prstGeom prst="rect">
             <a:avLst/>
@@ -8521,21 +8521,21 @@
 </file>
 
 <file path=customXml/item1.xml><?xml version="1.0" encoding="utf-8"?>
+<p:properties xmlns:p="http://schemas.microsoft.com/office/2006/metadata/properties" xmlns:xsi="http://www.w3.org/2001/XMLSchema-instance" xmlns:pc="http://schemas.microsoft.com/office/infopath/2007/PartnerControls">
+  <documentManagement>
+    <Status xmlns="71af3243-3dd4-4a8d-8c0d-dd76da1f02a5">Not started</Status>
+    <MediaServiceKeyPoints xmlns="71af3243-3dd4-4a8d-8c0d-dd76da1f02a5" xsi:nil="true"/>
+  </documentManagement>
+</p:properties>
+</file>
+
+<file path=customXml/item2.xml><?xml version="1.0" encoding="utf-8"?>
 <?mso-contentType ?>
 <FormTemplates xmlns="http://schemas.microsoft.com/sharepoint/v3/contenttype/forms">
   <Display>DocumentLibraryForm</Display>
   <Edit>DocumentLibraryForm</Edit>
   <New>DocumentLibraryForm</New>
 </FormTemplates>
-</file>
-
-<file path=customXml/item2.xml><?xml version="1.0" encoding="utf-8"?>
-<p:properties xmlns:p="http://schemas.microsoft.com/office/2006/metadata/properties" xmlns:xsi="http://www.w3.org/2001/XMLSchema-instance" xmlns:pc="http://schemas.microsoft.com/office/infopath/2007/PartnerControls">
-  <documentManagement>
-    <Status xmlns="71af3243-3dd4-4a8d-8c0d-dd76da1f02a5">Not started</Status>
-    <MediaServiceKeyPoints xmlns="71af3243-3dd4-4a8d-8c0d-dd76da1f02a5" xsi:nil="true"/>
-  </documentManagement>
-</p:properties>
 </file>
 
 <file path=customXml/item3.xml><?xml version="1.0" encoding="utf-8"?>
@@ -8760,19 +8760,19 @@
 </file>
 
 <file path=customXml/itemProps1.xml><?xml version="1.0" encoding="utf-8"?>
-<ds:datastoreItem xmlns:ds="http://schemas.openxmlformats.org/officeDocument/2006/customXml" ds:itemID="{CDB58277-F8DF-46FF-84EC-EF41B835E69F}">
+<ds:datastoreItem xmlns:ds="http://schemas.openxmlformats.org/officeDocument/2006/customXml" ds:itemID="{137651BA-F45C-4845-9AB3-E0A65B39F5E1}">
   <ds:schemaRefs>
-    <ds:schemaRef ds:uri="http://schemas.microsoft.com/sharepoint/v3/contenttype/forms"/>
+    <ds:schemaRef ds:uri="http://schemas.microsoft.com/office/2006/metadata/properties"/>
+    <ds:schemaRef ds:uri="http://schemas.microsoft.com/office/infopath/2007/PartnerControls"/>
+    <ds:schemaRef ds:uri="71af3243-3dd4-4a8d-8c0d-dd76da1f02a5"/>
   </ds:schemaRefs>
 </ds:datastoreItem>
 </file>
 
 <file path=customXml/itemProps2.xml><?xml version="1.0" encoding="utf-8"?>
-<ds:datastoreItem xmlns:ds="http://schemas.openxmlformats.org/officeDocument/2006/customXml" ds:itemID="{137651BA-F45C-4845-9AB3-E0A65B39F5E1}">
+<ds:datastoreItem xmlns:ds="http://schemas.openxmlformats.org/officeDocument/2006/customXml" ds:itemID="{CDB58277-F8DF-46FF-84EC-EF41B835E69F}">
   <ds:schemaRefs>
-    <ds:schemaRef ds:uri="http://schemas.microsoft.com/office/2006/metadata/properties"/>
-    <ds:schemaRef ds:uri="http://schemas.microsoft.com/office/infopath/2007/PartnerControls"/>
-    <ds:schemaRef ds:uri="71af3243-3dd4-4a8d-8c0d-dd76da1f02a5"/>
+    <ds:schemaRef ds:uri="http://schemas.microsoft.com/sharepoint/v3/contenttype/forms"/>
   </ds:schemaRefs>
 </ds:datastoreItem>
 </file>
